--- a/logo/Emotiv-logo.pptx
+++ b/logo/Emotiv-logo.pptx
@@ -2962,9 +2962,7 @@
     <p:bg>
       <p:bgPr>
         <a:solidFill>
-          <a:schemeClr val="bg1">
-            <a:lumMod val="50000"/>
-          </a:schemeClr>
+          <a:schemeClr val="tx1"/>
         </a:solidFill>
         <a:effectLst/>
       </p:bgPr>
